--- a/卒業論文/2015/板倉啓太/中間発表/卒論中間発表ポスター .pptx
+++ b/卒業論文/2015/板倉啓太/中間発表/卒論中間発表ポスター .pptx
@@ -304,7 +304,7 @@
           <a:p>
             <a:fld id="{A157BA37-E345-4782-84BA-8FCF7DC02401}" type="datetimeFigureOut">
               <a:rPr kumimoji="1" lang="ja-JP" altLang="en-US" smtClean="0"/>
-              <a:t>2016/10/9</a:t>
+              <a:t>2016/10/10</a:t>
             </a:fld>
             <a:endParaRPr kumimoji="1" lang="ja-JP" altLang="en-US"/>
           </a:p>
@@ -506,7 +506,7 @@
           <a:p>
             <a:fld id="{A157BA37-E345-4782-84BA-8FCF7DC02401}" type="datetimeFigureOut">
               <a:rPr kumimoji="1" lang="ja-JP" altLang="en-US" smtClean="0"/>
-              <a:t>2016/10/9</a:t>
+              <a:t>2016/10/10</a:t>
             </a:fld>
             <a:endParaRPr kumimoji="1" lang="ja-JP" altLang="en-US"/>
           </a:p>
@@ -718,7 +718,7 @@
           <a:p>
             <a:fld id="{A157BA37-E345-4782-84BA-8FCF7DC02401}" type="datetimeFigureOut">
               <a:rPr kumimoji="1" lang="ja-JP" altLang="en-US" smtClean="0"/>
-              <a:t>2016/10/9</a:t>
+              <a:t>2016/10/10</a:t>
             </a:fld>
             <a:endParaRPr kumimoji="1" lang="ja-JP" altLang="en-US"/>
           </a:p>
@@ -920,7 +920,7 @@
           <a:p>
             <a:fld id="{A157BA37-E345-4782-84BA-8FCF7DC02401}" type="datetimeFigureOut">
               <a:rPr kumimoji="1" lang="ja-JP" altLang="en-US" smtClean="0"/>
-              <a:t>2016/10/9</a:t>
+              <a:t>2016/10/10</a:t>
             </a:fld>
             <a:endParaRPr kumimoji="1" lang="ja-JP" altLang="en-US"/>
           </a:p>
@@ -1166,7 +1166,7 @@
           <a:p>
             <a:fld id="{A157BA37-E345-4782-84BA-8FCF7DC02401}" type="datetimeFigureOut">
               <a:rPr kumimoji="1" lang="ja-JP" altLang="en-US" smtClean="0"/>
-              <a:t>2016/10/9</a:t>
+              <a:t>2016/10/10</a:t>
             </a:fld>
             <a:endParaRPr kumimoji="1" lang="ja-JP" altLang="en-US"/>
           </a:p>
@@ -1518,7 +1518,7 @@
           <a:p>
             <a:fld id="{A157BA37-E345-4782-84BA-8FCF7DC02401}" type="datetimeFigureOut">
               <a:rPr kumimoji="1" lang="ja-JP" altLang="en-US" smtClean="0"/>
-              <a:t>2016/10/9</a:t>
+              <a:t>2016/10/10</a:t>
             </a:fld>
             <a:endParaRPr kumimoji="1" lang="ja-JP" altLang="en-US"/>
           </a:p>
@@ -2009,7 +2009,7 @@
           <a:p>
             <a:fld id="{A157BA37-E345-4782-84BA-8FCF7DC02401}" type="datetimeFigureOut">
               <a:rPr kumimoji="1" lang="ja-JP" altLang="en-US" smtClean="0"/>
-              <a:t>2016/10/9</a:t>
+              <a:t>2016/10/10</a:t>
             </a:fld>
             <a:endParaRPr kumimoji="1" lang="ja-JP" altLang="en-US"/>
           </a:p>
@@ -2127,7 +2127,7 @@
           <a:p>
             <a:fld id="{A157BA37-E345-4782-84BA-8FCF7DC02401}" type="datetimeFigureOut">
               <a:rPr kumimoji="1" lang="ja-JP" altLang="en-US" smtClean="0"/>
-              <a:t>2016/10/9</a:t>
+              <a:t>2016/10/10</a:t>
             </a:fld>
             <a:endParaRPr kumimoji="1" lang="ja-JP" altLang="en-US"/>
           </a:p>
@@ -2222,7 +2222,7 @@
           <a:p>
             <a:fld id="{A157BA37-E345-4782-84BA-8FCF7DC02401}" type="datetimeFigureOut">
               <a:rPr kumimoji="1" lang="ja-JP" altLang="en-US" smtClean="0"/>
-              <a:t>2016/10/9</a:t>
+              <a:t>2016/10/10</a:t>
             </a:fld>
             <a:endParaRPr kumimoji="1" lang="ja-JP" altLang="en-US"/>
           </a:p>
@@ -2531,7 +2531,7 @@
           <a:p>
             <a:fld id="{A157BA37-E345-4782-84BA-8FCF7DC02401}" type="datetimeFigureOut">
               <a:rPr kumimoji="1" lang="ja-JP" altLang="en-US" smtClean="0"/>
-              <a:t>2016/10/9</a:t>
+              <a:t>2016/10/10</a:t>
             </a:fld>
             <a:endParaRPr kumimoji="1" lang="ja-JP" altLang="en-US"/>
           </a:p>
@@ -2784,7 +2784,7 @@
           <a:p>
             <a:fld id="{A157BA37-E345-4782-84BA-8FCF7DC02401}" type="datetimeFigureOut">
               <a:rPr kumimoji="1" lang="ja-JP" altLang="en-US" smtClean="0"/>
-              <a:t>2016/10/9</a:t>
+              <a:t>2016/10/10</a:t>
             </a:fld>
             <a:endParaRPr kumimoji="1" lang="ja-JP" altLang="en-US"/>
           </a:p>
@@ -3029,7 +3029,7 @@
           <a:p>
             <a:fld id="{A157BA37-E345-4782-84BA-8FCF7DC02401}" type="datetimeFigureOut">
               <a:rPr kumimoji="1" lang="ja-JP" altLang="en-US" smtClean="0"/>
-              <a:t>2016/10/9</a:t>
+              <a:t>2016/10/10</a:t>
             </a:fld>
             <a:endParaRPr kumimoji="1" lang="ja-JP" altLang="en-US"/>
           </a:p>
@@ -4082,19 +4082,15 @@
           <a:p>
             <a:r>
               <a:rPr lang="ja-JP" altLang="en-US" sz="1200" dirty="0" smtClean="0"/>
-              <a:t>本研究では，</a:t>
-            </a:r>
-            <a:r>
-              <a:rPr lang="en-US" altLang="ja-JP" sz="1200" dirty="0"/>
-              <a:t> </a:t>
+              <a:t>本研究で</a:t>
+            </a:r>
+            <a:r>
+              <a:rPr lang="ja-JP" altLang="en-US" sz="1200" dirty="0"/>
+              <a:t>は，学習者自身を被験者とする</a:t>
             </a:r>
             <a:r>
               <a:rPr lang="ja-JP" altLang="en-US" sz="1200" dirty="0" smtClean="0"/>
-              <a:t>データマイニング入門の受講者を対象</a:t>
-            </a:r>
-            <a:r>
-              <a:rPr lang="ja-JP" altLang="en-US" sz="1200" dirty="0"/>
-              <a:t>に，</a:t>
+              <a:t>．</a:t>
             </a:r>
             <a:r>
               <a:rPr lang="ja-JP" altLang="en-US" sz="1200" dirty="0" smtClean="0"/>
@@ -4109,137 +4105,95 @@
               <a:t>取り入れ</a:t>
             </a:r>
             <a:r>
+              <a:rPr lang="ja-JP" altLang="en-US" sz="1200" dirty="0" smtClean="0"/>
+              <a:t>，</a:t>
+            </a:r>
+            <a:r>
+              <a:rPr lang="ja-JP" altLang="en-US" sz="1200" dirty="0" smtClean="0"/>
+              <a:t>学習者の</a:t>
+            </a:r>
+            <a:r>
+              <a:rPr lang="ja-JP" altLang="en-US" sz="1200" dirty="0" smtClean="0"/>
+              <a:t>能動的</a:t>
+            </a:r>
+            <a:r>
+              <a:rPr lang="ja-JP" altLang="en-US" sz="1200" dirty="0" smtClean="0"/>
+              <a:t>な</a:t>
+            </a:r>
+            <a:r>
+              <a:rPr lang="ja-JP" altLang="en-US" sz="1200" dirty="0" smtClean="0"/>
+              <a:t>学習への</a:t>
+            </a:r>
+            <a:r>
+              <a:rPr lang="ja-JP" altLang="en-US" sz="1200" dirty="0" smtClean="0"/>
+              <a:t>参加</a:t>
+            </a:r>
+            <a:r>
+              <a:rPr lang="ja-JP" altLang="en-US" sz="1200" dirty="0" smtClean="0"/>
+              <a:t>を取り入れた能力の育成を</a:t>
+            </a:r>
+            <a:r>
               <a:rPr lang="ja-JP" altLang="en-US" sz="1200" dirty="0"/>
-              <a:t>，受講者</a:t>
+              <a:t>図る．与えられたデータは学習者自身の問題ではなく</a:t>
             </a:r>
             <a:r>
               <a:rPr lang="ja-JP" altLang="en-US" sz="1200" dirty="0" smtClean="0"/>
-              <a:t>の</a:t>
+              <a:t>，</a:t>
             </a:r>
             <a:r>
               <a:rPr lang="ja-JP" altLang="en-US" sz="1200" dirty="0" smtClean="0"/>
-              <a:t>データマイニング教育の</a:t>
-            </a:r>
-            <a:r>
-              <a:rPr lang="ja-JP" altLang="en-US" sz="1200" dirty="0"/>
-              <a:t>知識の</a:t>
-            </a:r>
-            <a:r>
-              <a:rPr lang="ja-JP" altLang="en-US" sz="1200" dirty="0" smtClean="0"/>
-              <a:t>定着と能動的な学習の参加</a:t>
-            </a:r>
-            <a:r>
-              <a:rPr lang="ja-JP" altLang="en-US" sz="1200" dirty="0" smtClean="0"/>
-              <a:t>を</a:t>
-            </a:r>
-            <a:r>
-              <a:rPr lang="ja-JP" altLang="en-US" sz="1200" dirty="0" smtClean="0"/>
-              <a:t>目的とする</a:t>
-            </a:r>
-            <a:r>
-              <a:rPr lang="ja-JP" altLang="en-US" sz="1200" dirty="0" smtClean="0"/>
-              <a:t>．</a:t>
+              <a:t>データ収集法の設計から考え，学習する．</a:t>
             </a:r>
             <a:endParaRPr kumimoji="1" lang="ja-JP" altLang="en-US" sz="1200" dirty="0"/>
           </a:p>
         </p:txBody>
       </p:sp>
-      <p:grpSp>
-        <p:nvGrpSpPr>
-          <p:cNvPr id="44" name="グループ化 43"/>
-          <p:cNvGrpSpPr/>
+      <p:sp>
+        <p:nvSpPr>
+          <p:cNvPr id="9" name="正方形/長方形 8"/>
+          <p:cNvSpPr/>
           <p:nvPr/>
-        </p:nvGrpSpPr>
-        <p:grpSpPr>
+        </p:nvSpPr>
+        <p:spPr>
           <a:xfrm>
-            <a:off x="257494" y="6318067"/>
-            <a:ext cx="3073851" cy="2718428"/>
-            <a:chOff x="-2381211" y="6109482"/>
-            <a:chExt cx="3073851" cy="2718428"/>
+            <a:off x="257494" y="7538501"/>
+            <a:ext cx="3073851" cy="1497994"/>
           </a:xfrm>
-        </p:grpSpPr>
-        <p:sp>
-          <p:nvSpPr>
-            <p:cNvPr id="9" name="正方形/長方形 8"/>
-            <p:cNvSpPr/>
-            <p:nvPr/>
-          </p:nvSpPr>
-          <p:spPr>
-            <a:xfrm>
-              <a:off x="-2381211" y="7329916"/>
-              <a:ext cx="3073851" cy="1497994"/>
-            </a:xfrm>
-            <a:prstGeom prst="rect">
-              <a:avLst/>
-            </a:prstGeom>
-            <a:noFill/>
-            <a:ln w="12700">
-              <a:solidFill>
-                <a:schemeClr val="tx1"/>
-              </a:solidFill>
-            </a:ln>
-          </p:spPr>
-          <p:style>
-            <a:lnRef idx="2">
-              <a:schemeClr val="accent1">
-                <a:shade val="50000"/>
-              </a:schemeClr>
-            </a:lnRef>
-            <a:fillRef idx="1">
-              <a:schemeClr val="accent1"/>
-            </a:fillRef>
-            <a:effectRef idx="0">
-              <a:schemeClr val="accent1"/>
-            </a:effectRef>
-            <a:fontRef idx="minor">
-              <a:schemeClr val="lt1"/>
-            </a:fontRef>
-          </p:style>
-          <p:txBody>
-            <a:bodyPr rtlCol="0" anchor="ctr"/>
-            <a:lstStyle/>
-            <a:p>
-              <a:pPr algn="ctr"/>
-              <a:endParaRPr kumimoji="1" lang="ja-JP" altLang="en-US"/>
-            </a:p>
-          </p:txBody>
-        </p:sp>
-        <p:sp>
-          <p:nvSpPr>
-            <p:cNvPr id="46" name="テキスト ボックス 45"/>
-            <p:cNvSpPr txBox="1"/>
-            <p:nvPr/>
-          </p:nvSpPr>
-          <p:spPr>
-            <a:xfrm>
-              <a:off x="-2255659" y="6109482"/>
-              <a:ext cx="2845351" cy="461665"/>
-            </a:xfrm>
-            <a:prstGeom prst="rect">
-              <a:avLst/>
-            </a:prstGeom>
-            <a:noFill/>
-            <a:ln w="19050">
-              <a:solidFill>
-                <a:srgbClr val="92D050"/>
-              </a:solidFill>
-            </a:ln>
-          </p:spPr>
-          <p:txBody>
-            <a:bodyPr wrap="square" rtlCol="0">
-              <a:spAutoFit/>
-            </a:bodyPr>
-            <a:lstStyle/>
-            <a:p>
-              <a:r>
-                <a:rPr lang="ja-JP" altLang="en-US" sz="1200" dirty="0" smtClean="0"/>
-                <a:t>例：グラフを読み取り，解析手法が使えるようになる．</a:t>
-              </a:r>
-              <a:endParaRPr lang="en-US" altLang="ja-JP" sz="1200" dirty="0" smtClean="0"/>
-            </a:p>
-          </p:txBody>
-        </p:sp>
-      </p:grpSp>
+          <a:prstGeom prst="rect">
+            <a:avLst/>
+          </a:prstGeom>
+          <a:noFill/>
+          <a:ln w="12700">
+            <a:solidFill>
+              <a:schemeClr val="tx1"/>
+            </a:solidFill>
+          </a:ln>
+        </p:spPr>
+        <p:style>
+          <a:lnRef idx="2">
+            <a:schemeClr val="accent1">
+              <a:shade val="50000"/>
+            </a:schemeClr>
+          </a:lnRef>
+          <a:fillRef idx="1">
+            <a:schemeClr val="accent1"/>
+          </a:fillRef>
+          <a:effectRef idx="0">
+            <a:schemeClr val="accent1"/>
+          </a:effectRef>
+          <a:fontRef idx="minor">
+            <a:schemeClr val="lt1"/>
+          </a:fontRef>
+        </p:style>
+        <p:txBody>
+          <a:bodyPr rtlCol="0" anchor="ctr"/>
+          <a:lstStyle/>
+          <a:p>
+            <a:pPr algn="ctr"/>
+            <a:endParaRPr kumimoji="1" lang="ja-JP" altLang="en-US"/>
+          </a:p>
+        </p:txBody>
+      </p:sp>
       <p:sp>
         <p:nvSpPr>
           <p:cNvPr id="51" name="テキスト ボックス 50"/>
@@ -5663,8 +5617,8 @@
         </p:blipFill>
         <p:spPr>
           <a:xfrm>
-            <a:off x="3905526" y="4246914"/>
-            <a:ext cx="2534298" cy="1394852"/>
+            <a:off x="4229490" y="4246914"/>
+            <a:ext cx="2210334" cy="1394852"/>
           </a:xfrm>
           <a:prstGeom prst="rect">
             <a:avLst/>
@@ -5679,7 +5633,7 @@
         </p:nvSpPr>
         <p:spPr>
           <a:xfrm>
-            <a:off x="1829367" y="4226243"/>
+            <a:off x="2130390" y="4214218"/>
             <a:ext cx="1835759" cy="276999"/>
           </a:xfrm>
           <a:prstGeom prst="rect">
@@ -5732,7 +5686,7 @@
         </p:nvCxnSpPr>
         <p:spPr>
           <a:xfrm flipH="1">
-            <a:off x="2747246" y="4503242"/>
+            <a:off x="3048269" y="4491217"/>
             <a:ext cx="1" cy="127569"/>
           </a:xfrm>
           <a:prstGeom prst="straightConnector1">
@@ -5765,7 +5719,7 @@
         </p:nvSpPr>
         <p:spPr>
           <a:xfrm>
-            <a:off x="1560062" y="4630811"/>
+            <a:off x="1861085" y="4618786"/>
             <a:ext cx="2374368" cy="276999"/>
           </a:xfrm>
           <a:prstGeom prst="rect">
@@ -5806,7 +5760,7 @@
         </p:nvCxnSpPr>
         <p:spPr>
           <a:xfrm>
-            <a:off x="2747246" y="4907810"/>
+            <a:off x="3048269" y="4895785"/>
             <a:ext cx="0" cy="115538"/>
           </a:xfrm>
           <a:prstGeom prst="straightConnector1">
@@ -5839,7 +5793,7 @@
         </p:nvSpPr>
         <p:spPr>
           <a:xfrm>
-            <a:off x="1772459" y="5023348"/>
+            <a:off x="2073482" y="5011323"/>
             <a:ext cx="1949573" cy="276999"/>
           </a:xfrm>
           <a:prstGeom prst="rect">
@@ -5873,7 +5827,7 @@
         </p:nvCxnSpPr>
         <p:spPr>
           <a:xfrm flipH="1">
-            <a:off x="2747245" y="5310941"/>
+            <a:off x="3048268" y="5298916"/>
             <a:ext cx="1" cy="113233"/>
           </a:xfrm>
           <a:prstGeom prst="straightConnector1">
@@ -5906,7 +5860,7 @@
         </p:nvSpPr>
         <p:spPr>
           <a:xfrm>
-            <a:off x="1670668" y="5424803"/>
+            <a:off x="1971691" y="5412778"/>
             <a:ext cx="2153154" cy="276999"/>
           </a:xfrm>
           <a:prstGeom prst="rect">
@@ -5988,6 +5942,157 @@
           </a:prstGeom>
         </p:spPr>
       </p:pic>
+      <p:sp>
+        <p:nvSpPr>
+          <p:cNvPr id="2" name="テキスト ボックス 1"/>
+          <p:cNvSpPr txBox="1"/>
+          <p:nvPr/>
+        </p:nvSpPr>
+        <p:spPr>
+          <a:xfrm>
+            <a:off x="332656" y="6296940"/>
+            <a:ext cx="2947493" cy="430887"/>
+          </a:xfrm>
+          <a:prstGeom prst="rect">
+            <a:avLst/>
+          </a:prstGeom>
+          <a:noFill/>
+        </p:spPr>
+        <p:txBody>
+          <a:bodyPr wrap="square" rtlCol="0">
+            <a:spAutoFit/>
+          </a:bodyPr>
+          <a:lstStyle/>
+          <a:p>
+            <a:pPr marL="171450" indent="-171450">
+              <a:buFont typeface="Arial" panose="020B0604020202020204" pitchFamily="34" charset="0"/>
+              <a:buChar char="•"/>
+            </a:pPr>
+            <a:r>
+              <a:rPr lang="ja-JP" altLang="en-US" sz="1100" dirty="0" smtClean="0"/>
+              <a:t>必要</a:t>
+            </a:r>
+            <a:r>
+              <a:rPr lang="ja-JP" altLang="en-US" sz="1100" dirty="0"/>
+              <a:t>な情報を抽出</a:t>
+            </a:r>
+            <a:r>
+              <a:rPr lang="ja-JP" altLang="en-US" sz="1100" dirty="0" smtClean="0"/>
+              <a:t>し，分析する能力</a:t>
+            </a:r>
+            <a:endParaRPr lang="en-US" altLang="ja-JP" sz="1100" dirty="0" smtClean="0"/>
+          </a:p>
+          <a:p>
+            <a:pPr marL="171450" indent="-171450">
+              <a:buFont typeface="Arial" panose="020B0604020202020204" pitchFamily="34" charset="0"/>
+              <a:buChar char="•"/>
+            </a:pPr>
+            <a:r>
+              <a:rPr lang="ja-JP" altLang="en-US" sz="1100" dirty="0" smtClean="0"/>
+              <a:t>規則</a:t>
+            </a:r>
+            <a:r>
+              <a:rPr lang="ja-JP" altLang="en-US" sz="1100" dirty="0"/>
+              <a:t>，</a:t>
+            </a:r>
+            <a:r>
+              <a:rPr lang="ja-JP" altLang="en-US" sz="1100" dirty="0" smtClean="0"/>
+              <a:t>定義，条件</a:t>
+            </a:r>
+            <a:r>
+              <a:rPr lang="ja-JP" altLang="en-US" sz="1100" dirty="0"/>
+              <a:t>等を理解</a:t>
+            </a:r>
+            <a:r>
+              <a:rPr lang="ja-JP" altLang="en-US" sz="1100" dirty="0" smtClean="0"/>
+              <a:t>し適用する能力</a:t>
+            </a:r>
+            <a:endParaRPr lang="en-US" altLang="ja-JP" sz="1100" dirty="0" smtClean="0"/>
+          </a:p>
+        </p:txBody>
+      </p:sp>
+      <p:pic>
+        <p:nvPicPr>
+          <p:cNvPr id="19" name="図 18"/>
+          <p:cNvPicPr>
+            <a:picLocks noChangeAspect="1"/>
+          </p:cNvPicPr>
+          <p:nvPr/>
+        </p:nvPicPr>
+        <p:blipFill rotWithShape="1">
+          <a:blip r:embed="rId6" cstate="print">
+            <a:extLst>
+              <a:ext uri="{28A0092B-C50C-407E-A947-70E740481C1C}">
+                <a14:useLocalDpi xmlns:a14="http://schemas.microsoft.com/office/drawing/2010/main" val="0"/>
+              </a:ext>
+            </a:extLst>
+          </a:blip>
+          <a:srcRect l="1" r="38594"/>
+          <a:stretch/>
+        </p:blipFill>
+        <p:spPr>
+          <a:xfrm>
+            <a:off x="332656" y="4692909"/>
+            <a:ext cx="1016991" cy="947780"/>
+          </a:xfrm>
+          <a:prstGeom prst="rect">
+            <a:avLst/>
+          </a:prstGeom>
+        </p:spPr>
+      </p:pic>
+      <p:sp>
+        <p:nvSpPr>
+          <p:cNvPr id="21" name="円形吹き出し 20"/>
+          <p:cNvSpPr/>
+          <p:nvPr/>
+        </p:nvSpPr>
+        <p:spPr>
+          <a:xfrm>
+            <a:off x="890580" y="4957750"/>
+            <a:ext cx="1064976" cy="704352"/>
+          </a:xfrm>
+          <a:prstGeom prst="wedgeEllipseCallout">
+            <a:avLst>
+              <a:gd name="adj1" fmla="val 63772"/>
+              <a:gd name="adj2" fmla="val -22348"/>
+            </a:avLst>
+          </a:prstGeom>
+        </p:spPr>
+        <p:style>
+          <a:lnRef idx="2">
+            <a:schemeClr val="accent5"/>
+          </a:lnRef>
+          <a:fillRef idx="1">
+            <a:schemeClr val="lt1"/>
+          </a:fillRef>
+          <a:effectRef idx="0">
+            <a:schemeClr val="accent5"/>
+          </a:effectRef>
+          <a:fontRef idx="minor">
+            <a:schemeClr val="dk1"/>
+          </a:fontRef>
+        </p:style>
+        <p:txBody>
+          <a:bodyPr rtlCol="0" anchor="ctr"/>
+          <a:lstStyle/>
+          <a:p>
+            <a:pPr algn="ctr"/>
+            <a:r>
+              <a:rPr kumimoji="1" lang="ja-JP" altLang="en-US" sz="600" dirty="0" smtClean="0"/>
+              <a:t>こちらで</a:t>
+            </a:r>
+            <a:r>
+              <a:rPr lang="ja-JP" altLang="en-US" sz="600" dirty="0" smtClean="0"/>
+              <a:t>収集法を指定</a:t>
+            </a:r>
+            <a:r>
+              <a:rPr kumimoji="1" lang="ja-JP" altLang="en-US" sz="600" dirty="0" smtClean="0"/>
+              <a:t>しないことにより，学習者自身はどのようにデータを収集するか考え，学習する．</a:t>
+            </a:r>
+            <a:endParaRPr kumimoji="1" lang="ja-JP" altLang="en-US" sz="600" dirty="0"/>
+          </a:p>
+        </p:txBody>
+      </p:sp>
     </p:spTree>
     <p:extLst>
       <p:ext uri="{BB962C8B-B14F-4D97-AF65-F5344CB8AC3E}">

--- a/卒業論文/2015/板倉啓太/中間発表/卒論中間発表ポスター .pptx
+++ b/卒業論文/2015/板倉啓太/中間発表/卒論中間発表ポスター .pptx
@@ -4090,11 +4090,7 @@
             </a:r>
             <a:r>
               <a:rPr lang="ja-JP" altLang="en-US" sz="1200" dirty="0" smtClean="0"/>
-              <a:t>．</a:t>
-            </a:r>
-            <a:r>
-              <a:rPr lang="ja-JP" altLang="en-US" sz="1200" dirty="0" smtClean="0"/>
-              <a:t>アクティブ</a:t>
+              <a:t>．アクティブ</a:t>
             </a:r>
             <a:r>
               <a:rPr lang="ja-JP" altLang="en-US" sz="1200" dirty="0"/>
@@ -4102,47 +4098,23 @@
             </a:r>
             <a:r>
               <a:rPr lang="ja-JP" altLang="en-US" sz="1200" dirty="0" smtClean="0"/>
-              <a:t>取り入れ</a:t>
+              <a:t>取り入れ，学習者の能動的な学習への参加を取り入れた能力の育成を</a:t>
             </a:r>
             <a:r>
               <a:rPr lang="ja-JP" altLang="en-US" sz="1200" dirty="0" smtClean="0"/>
-              <a:t>，</a:t>
-            </a:r>
-            <a:r>
-              <a:rPr lang="ja-JP" altLang="en-US" sz="1200" dirty="0" smtClean="0"/>
-              <a:t>学習者の</a:t>
-            </a:r>
-            <a:r>
-              <a:rPr lang="ja-JP" altLang="en-US" sz="1200" dirty="0" smtClean="0"/>
-              <a:t>能動的</a:t>
-            </a:r>
-            <a:r>
-              <a:rPr lang="ja-JP" altLang="en-US" sz="1200" dirty="0" smtClean="0"/>
-              <a:t>な</a:t>
-            </a:r>
-            <a:r>
-              <a:rPr lang="ja-JP" altLang="en-US" sz="1200" dirty="0" smtClean="0"/>
-              <a:t>学習への</a:t>
-            </a:r>
-            <a:r>
-              <a:rPr lang="ja-JP" altLang="en-US" sz="1200" dirty="0" smtClean="0"/>
-              <a:t>参加</a:t>
-            </a:r>
-            <a:r>
-              <a:rPr lang="ja-JP" altLang="en-US" sz="1200" dirty="0" smtClean="0"/>
-              <a:t>を取り入れた能力の育成を</a:t>
-            </a:r>
-            <a:r>
-              <a:rPr lang="ja-JP" altLang="en-US" sz="1200" dirty="0"/>
-              <a:t>図る．与えられたデータは学習者自身の問題ではなく</a:t>
-            </a:r>
-            <a:r>
-              <a:rPr lang="ja-JP" altLang="en-US" sz="1200" dirty="0" smtClean="0"/>
-              <a:t>，</a:t>
-            </a:r>
-            <a:r>
-              <a:rPr lang="ja-JP" altLang="en-US" sz="1200" dirty="0" smtClean="0"/>
-              <a:t>データ収集法の設計から考え，学習する．</a:t>
+              <a:t>図る．最終的には今回の実践結果をフィードバックし，今後の教育に</a:t>
+            </a:r>
+            <a:r>
+              <a:rPr lang="ja-JP" altLang="en-US" sz="1200" smtClean="0"/>
+              <a:t>役立ててもら</a:t>
+            </a:r>
+            <a:r>
+              <a:rPr lang="ja-JP" altLang="en-US" sz="1200"/>
+              <a:t>う</a:t>
+            </a:r>
+            <a:r>
+              <a:rPr lang="ja-JP" altLang="en-US" sz="1200" smtClean="0"/>
+              <a:t>ことが目的である．</a:t>
             </a:r>
             <a:endParaRPr kumimoji="1" lang="ja-JP" altLang="en-US" sz="1200" dirty="0"/>
           </a:p>

--- a/卒業論文/2015/板倉啓太/中間発表/卒論中間発表ポスター .pptx
+++ b/卒業論文/2015/板倉啓太/中間発表/卒論中間発表ポスター .pptx
@@ -304,7 +304,7 @@
           <a:p>
             <a:fld id="{A157BA37-E345-4782-84BA-8FCF7DC02401}" type="datetimeFigureOut">
               <a:rPr kumimoji="1" lang="ja-JP" altLang="en-US" smtClean="0"/>
-              <a:t>2016/10/10</a:t>
+              <a:t>2016/10/11</a:t>
             </a:fld>
             <a:endParaRPr kumimoji="1" lang="ja-JP" altLang="en-US"/>
           </a:p>
@@ -506,7 +506,7 @@
           <a:p>
             <a:fld id="{A157BA37-E345-4782-84BA-8FCF7DC02401}" type="datetimeFigureOut">
               <a:rPr kumimoji="1" lang="ja-JP" altLang="en-US" smtClean="0"/>
-              <a:t>2016/10/10</a:t>
+              <a:t>2016/10/11</a:t>
             </a:fld>
             <a:endParaRPr kumimoji="1" lang="ja-JP" altLang="en-US"/>
           </a:p>
@@ -718,7 +718,7 @@
           <a:p>
             <a:fld id="{A157BA37-E345-4782-84BA-8FCF7DC02401}" type="datetimeFigureOut">
               <a:rPr kumimoji="1" lang="ja-JP" altLang="en-US" smtClean="0"/>
-              <a:t>2016/10/10</a:t>
+              <a:t>2016/10/11</a:t>
             </a:fld>
             <a:endParaRPr kumimoji="1" lang="ja-JP" altLang="en-US"/>
           </a:p>
@@ -920,7 +920,7 @@
           <a:p>
             <a:fld id="{A157BA37-E345-4782-84BA-8FCF7DC02401}" type="datetimeFigureOut">
               <a:rPr kumimoji="1" lang="ja-JP" altLang="en-US" smtClean="0"/>
-              <a:t>2016/10/10</a:t>
+              <a:t>2016/10/11</a:t>
             </a:fld>
             <a:endParaRPr kumimoji="1" lang="ja-JP" altLang="en-US"/>
           </a:p>
@@ -1166,7 +1166,7 @@
           <a:p>
             <a:fld id="{A157BA37-E345-4782-84BA-8FCF7DC02401}" type="datetimeFigureOut">
               <a:rPr kumimoji="1" lang="ja-JP" altLang="en-US" smtClean="0"/>
-              <a:t>2016/10/10</a:t>
+              <a:t>2016/10/11</a:t>
             </a:fld>
             <a:endParaRPr kumimoji="1" lang="ja-JP" altLang="en-US"/>
           </a:p>
@@ -1518,7 +1518,7 @@
           <a:p>
             <a:fld id="{A157BA37-E345-4782-84BA-8FCF7DC02401}" type="datetimeFigureOut">
               <a:rPr kumimoji="1" lang="ja-JP" altLang="en-US" smtClean="0"/>
-              <a:t>2016/10/10</a:t>
+              <a:t>2016/10/11</a:t>
             </a:fld>
             <a:endParaRPr kumimoji="1" lang="ja-JP" altLang="en-US"/>
           </a:p>
@@ -2009,7 +2009,7 @@
           <a:p>
             <a:fld id="{A157BA37-E345-4782-84BA-8FCF7DC02401}" type="datetimeFigureOut">
               <a:rPr kumimoji="1" lang="ja-JP" altLang="en-US" smtClean="0"/>
-              <a:t>2016/10/10</a:t>
+              <a:t>2016/10/11</a:t>
             </a:fld>
             <a:endParaRPr kumimoji="1" lang="ja-JP" altLang="en-US"/>
           </a:p>
@@ -2127,7 +2127,7 @@
           <a:p>
             <a:fld id="{A157BA37-E345-4782-84BA-8FCF7DC02401}" type="datetimeFigureOut">
               <a:rPr kumimoji="1" lang="ja-JP" altLang="en-US" smtClean="0"/>
-              <a:t>2016/10/10</a:t>
+              <a:t>2016/10/11</a:t>
             </a:fld>
             <a:endParaRPr kumimoji="1" lang="ja-JP" altLang="en-US"/>
           </a:p>
@@ -2222,7 +2222,7 @@
           <a:p>
             <a:fld id="{A157BA37-E345-4782-84BA-8FCF7DC02401}" type="datetimeFigureOut">
               <a:rPr kumimoji="1" lang="ja-JP" altLang="en-US" smtClean="0"/>
-              <a:t>2016/10/10</a:t>
+              <a:t>2016/10/11</a:t>
             </a:fld>
             <a:endParaRPr kumimoji="1" lang="ja-JP" altLang="en-US"/>
           </a:p>
@@ -2531,7 +2531,7 @@
           <a:p>
             <a:fld id="{A157BA37-E345-4782-84BA-8FCF7DC02401}" type="datetimeFigureOut">
               <a:rPr kumimoji="1" lang="ja-JP" altLang="en-US" smtClean="0"/>
-              <a:t>2016/10/10</a:t>
+              <a:t>2016/10/11</a:t>
             </a:fld>
             <a:endParaRPr kumimoji="1" lang="ja-JP" altLang="en-US"/>
           </a:p>
@@ -2784,7 +2784,7 @@
           <a:p>
             <a:fld id="{A157BA37-E345-4782-84BA-8FCF7DC02401}" type="datetimeFigureOut">
               <a:rPr kumimoji="1" lang="ja-JP" altLang="en-US" smtClean="0"/>
-              <a:t>2016/10/10</a:t>
+              <a:t>2016/10/11</a:t>
             </a:fld>
             <a:endParaRPr kumimoji="1" lang="ja-JP" altLang="en-US"/>
           </a:p>
@@ -3029,7 +3029,7 @@
           <a:p>
             <a:fld id="{A157BA37-E345-4782-84BA-8FCF7DC02401}" type="datetimeFigureOut">
               <a:rPr kumimoji="1" lang="ja-JP" altLang="en-US" smtClean="0"/>
-              <a:t>2016/10/10</a:t>
+              <a:t>2016/10/11</a:t>
             </a:fld>
             <a:endParaRPr kumimoji="1" lang="ja-JP" altLang="en-US"/>
           </a:p>
@@ -3406,6 +3406,52 @@
       </p:grpSpPr>
       <p:sp>
         <p:nvSpPr>
+          <p:cNvPr id="24" name="角丸四角形吹き出し 23"/>
+          <p:cNvSpPr/>
+          <p:nvPr/>
+        </p:nvSpPr>
+        <p:spPr>
+          <a:xfrm>
+            <a:off x="308715" y="4667246"/>
+            <a:ext cx="1535596" cy="778927"/>
+          </a:xfrm>
+          <a:prstGeom prst="wedgeRoundRectCallout">
+            <a:avLst>
+              <a:gd name="adj1" fmla="val 58465"/>
+              <a:gd name="adj2" fmla="val -59401"/>
+              <a:gd name="adj3" fmla="val 16667"/>
+            </a:avLst>
+          </a:prstGeom>
+        </p:spPr>
+        <p:style>
+          <a:lnRef idx="2">
+            <a:schemeClr val="accent3"/>
+          </a:lnRef>
+          <a:fillRef idx="1">
+            <a:schemeClr val="lt1"/>
+          </a:fillRef>
+          <a:effectRef idx="0">
+            <a:schemeClr val="accent3"/>
+          </a:effectRef>
+          <a:fontRef idx="minor">
+            <a:schemeClr val="dk1"/>
+          </a:fontRef>
+        </p:style>
+        <p:txBody>
+          <a:bodyPr rtlCol="0" anchor="ctr"/>
+          <a:lstStyle/>
+          <a:p>
+            <a:pPr algn="ctr"/>
+            <a:r>
+              <a:rPr lang="ja-JP" altLang="en-US" sz="1200" dirty="0" smtClean="0"/>
+              <a:t>汎用的能力の育成には、グループワークなどが有効！</a:t>
+            </a:r>
+            <a:endParaRPr lang="ja-JP" altLang="en-US" sz="1200" dirty="0"/>
+          </a:p>
+        </p:txBody>
+      </p:sp>
+      <p:sp>
+        <p:nvSpPr>
           <p:cNvPr id="33" name="爆発 1 32"/>
           <p:cNvSpPr/>
           <p:nvPr/>
@@ -4098,23 +4144,31 @@
             </a:r>
             <a:r>
               <a:rPr lang="ja-JP" altLang="en-US" sz="1200" dirty="0" smtClean="0"/>
-              <a:t>取り入れ，学習者の能動的な学習への参加を取り入れた能力の育成を</a:t>
+              <a:t>取り入れ，学習者の能動的な学習への参加を</a:t>
             </a:r>
             <a:r>
               <a:rPr lang="ja-JP" altLang="en-US" sz="1200" dirty="0" smtClean="0"/>
-              <a:t>図る．最終的には今回の実践結果をフィードバックし，今後の教育に</a:t>
-            </a:r>
-            <a:r>
-              <a:rPr lang="ja-JP" altLang="en-US" sz="1200" smtClean="0"/>
-              <a:t>役立ててもら</a:t>
-            </a:r>
-            <a:r>
-              <a:rPr lang="ja-JP" altLang="en-US" sz="1200"/>
+              <a:t>取り入れた汎用的能力</a:t>
+            </a:r>
+            <a:r>
+              <a:rPr lang="ja-JP" altLang="en-US" sz="1200" dirty="0" smtClean="0"/>
+              <a:t>の育成を図る．最終的には今回の実践結果をフィードバックし，今後の教育に役立ててもら</a:t>
+            </a:r>
+            <a:r>
+              <a:rPr lang="ja-JP" altLang="en-US" sz="1200" dirty="0"/>
               <a:t>う</a:t>
             </a:r>
             <a:r>
-              <a:rPr lang="ja-JP" altLang="en-US" sz="1200" smtClean="0"/>
-              <a:t>ことが目的である．</a:t>
+              <a:rPr lang="ja-JP" altLang="en-US" sz="1200" dirty="0" smtClean="0"/>
+              <a:t>こと</a:t>
+            </a:r>
+            <a:r>
+              <a:rPr lang="ja-JP" altLang="en-US" sz="1200" dirty="0" smtClean="0"/>
+              <a:t>を目指す</a:t>
+            </a:r>
+            <a:r>
+              <a:rPr lang="ja-JP" altLang="en-US" sz="1200" dirty="0" smtClean="0"/>
+              <a:t>．</a:t>
             </a:r>
             <a:endParaRPr kumimoji="1" lang="ja-JP" altLang="en-US" sz="1200" dirty="0"/>
           </a:p>
@@ -5485,90 +5539,6 @@
       </p:sp>
       <p:pic>
         <p:nvPicPr>
-          <p:cNvPr id="34" name="図 33"/>
-          <p:cNvPicPr>
-            <a:picLocks noChangeAspect="1"/>
-          </p:cNvPicPr>
-          <p:nvPr/>
-        </p:nvPicPr>
-        <p:blipFill>
-          <a:blip r:embed="rId2" cstate="print">
-            <a:extLst>
-              <a:ext uri="{28A0092B-C50C-407E-A947-70E740481C1C}">
-                <a14:useLocalDpi xmlns:a14="http://schemas.microsoft.com/office/drawing/2010/main" val="0"/>
-              </a:ext>
-            </a:extLst>
-          </a:blip>
-          <a:stretch>
-            <a:fillRect/>
-          </a:stretch>
-        </p:blipFill>
-        <p:spPr>
-          <a:xfrm flipH="1">
-            <a:off x="2244115" y="6836575"/>
-            <a:ext cx="525006" cy="525006"/>
-          </a:xfrm>
-          <a:prstGeom prst="rect">
-            <a:avLst/>
-          </a:prstGeom>
-        </p:spPr>
-      </p:pic>
-      <p:sp>
-        <p:nvSpPr>
-          <p:cNvPr id="52" name="右矢印 51"/>
-          <p:cNvSpPr/>
-          <p:nvPr/>
-        </p:nvSpPr>
-        <p:spPr>
-          <a:xfrm>
-            <a:off x="1617559" y="6955061"/>
-            <a:ext cx="457569" cy="288031"/>
-          </a:xfrm>
-          <a:prstGeom prst="rightArrow">
-            <a:avLst/>
-          </a:prstGeom>
-          <a:solidFill>
-            <a:schemeClr val="tx2">
-              <a:lumMod val="20000"/>
-              <a:lumOff val="80000"/>
-            </a:schemeClr>
-          </a:solidFill>
-          <a:ln>
-            <a:solidFill>
-              <a:schemeClr val="tx2">
-                <a:lumMod val="40000"/>
-                <a:lumOff val="60000"/>
-              </a:schemeClr>
-            </a:solidFill>
-          </a:ln>
-        </p:spPr>
-        <p:style>
-          <a:lnRef idx="2">
-            <a:schemeClr val="accent1">
-              <a:shade val="50000"/>
-            </a:schemeClr>
-          </a:lnRef>
-          <a:fillRef idx="1">
-            <a:schemeClr val="accent1"/>
-          </a:fillRef>
-          <a:effectRef idx="0">
-            <a:schemeClr val="accent1"/>
-          </a:effectRef>
-          <a:fontRef idx="minor">
-            <a:schemeClr val="lt1"/>
-          </a:fontRef>
-        </p:style>
-        <p:txBody>
-          <a:bodyPr rtlCol="0" anchor="ctr"/>
-          <a:lstStyle/>
-          <a:p>
-            <a:pPr algn="ctr"/>
-            <a:endParaRPr kumimoji="1" lang="ja-JP" altLang="en-US"/>
-          </a:p>
-        </p:txBody>
-      </p:sp>
-      <p:pic>
-        <p:nvPicPr>
           <p:cNvPr id="26" name="図 25"/>
           <p:cNvPicPr>
             <a:picLocks noChangeAspect="1"/>
@@ -5576,7 +5546,7 @@
           <p:nvPr/>
         </p:nvPicPr>
         <p:blipFill>
-          <a:blip r:embed="rId3">
+          <a:blip r:embed="rId2">
             <a:extLst>
               <a:ext uri="{28A0092B-C50C-407E-A947-70E740481C1C}">
                 <a14:useLocalDpi xmlns:a14="http://schemas.microsoft.com/office/drawing/2010/main" val="0"/>
@@ -5589,8 +5559,8 @@
         </p:blipFill>
         <p:spPr>
           <a:xfrm>
-            <a:off x="4229490" y="4246914"/>
-            <a:ext cx="2210334" cy="1394852"/>
+            <a:off x="4333136" y="4246914"/>
+            <a:ext cx="2106687" cy="1394852"/>
           </a:xfrm>
           <a:prstGeom prst="rect">
             <a:avLst/>
@@ -5599,14 +5569,14 @@
       </p:pic>
       <p:sp>
         <p:nvSpPr>
-          <p:cNvPr id="30" name="テキスト ボックス 29"/>
+          <p:cNvPr id="63" name="テキスト ボックス 62"/>
           <p:cNvSpPr txBox="1"/>
           <p:nvPr/>
         </p:nvSpPr>
         <p:spPr>
           <a:xfrm>
-            <a:off x="2130390" y="4214218"/>
-            <a:ext cx="1835759" cy="276999"/>
+            <a:off x="2109669" y="4236358"/>
+            <a:ext cx="2022368" cy="430887"/>
           </a:xfrm>
           <a:prstGeom prst="rect">
             <a:avLst/>
@@ -5614,180 +5584,23 @@
           <a:noFill/>
         </p:spPr>
         <p:txBody>
-          <a:bodyPr wrap="none" rtlCol="0">
+          <a:bodyPr wrap="square" rtlCol="0">
             <a:spAutoFit/>
           </a:bodyPr>
           <a:lstStyle/>
           <a:p>
             <a:r>
-              <a:rPr kumimoji="1" lang="en-US" altLang="ja-JP" sz="1200" dirty="0" smtClean="0"/>
-              <a:t>1</a:t>
-            </a:r>
-            <a:r>
-              <a:rPr kumimoji="1" lang="ja-JP" altLang="en-US" sz="1200" dirty="0" smtClean="0"/>
-              <a:t>グループ</a:t>
-            </a:r>
-            <a:r>
-              <a:rPr kumimoji="1" lang="en-US" altLang="ja-JP" sz="1200" dirty="0" smtClean="0"/>
-              <a:t>4</a:t>
-            </a:r>
-            <a:r>
-              <a:rPr kumimoji="1" lang="ja-JP" altLang="en-US" sz="1200" dirty="0" err="1" smtClean="0"/>
-              <a:t>，</a:t>
-            </a:r>
-            <a:r>
-              <a:rPr kumimoji="1" lang="en-US" altLang="ja-JP" sz="1200" dirty="0" smtClean="0"/>
-              <a:t>5</a:t>
-            </a:r>
-            <a:r>
-              <a:rPr lang="ja-JP" altLang="en-US" sz="1200" dirty="0" smtClean="0"/>
-              <a:t>人に分ける</a:t>
-            </a:r>
-            <a:endParaRPr kumimoji="1" lang="ja-JP" altLang="en-US" sz="1200" dirty="0"/>
-          </a:p>
-        </p:txBody>
-      </p:sp>
-      <p:cxnSp>
-        <p:nvCxnSpPr>
-          <p:cNvPr id="62" name="直線矢印コネクタ 61"/>
-          <p:cNvCxnSpPr>
-            <a:stCxn id="30" idx="2"/>
-            <a:endCxn id="63" idx="0"/>
-          </p:cNvCxnSpPr>
-          <p:nvPr/>
-        </p:nvCxnSpPr>
-        <p:spPr>
-          <a:xfrm flipH="1">
-            <a:off x="3048269" y="4491217"/>
-            <a:ext cx="1" cy="127569"/>
-          </a:xfrm>
-          <a:prstGeom prst="straightConnector1">
-            <a:avLst/>
-          </a:prstGeom>
-          <a:ln>
-            <a:tailEnd type="triangle"/>
-          </a:ln>
-        </p:spPr>
-        <p:style>
-          <a:lnRef idx="1">
-            <a:schemeClr val="accent1"/>
-          </a:lnRef>
-          <a:fillRef idx="0">
-            <a:schemeClr val="accent1"/>
-          </a:fillRef>
-          <a:effectRef idx="0">
-            <a:schemeClr val="accent1"/>
-          </a:effectRef>
-          <a:fontRef idx="minor">
-            <a:schemeClr val="tx1"/>
-          </a:fontRef>
-        </p:style>
-      </p:cxnSp>
-      <p:sp>
-        <p:nvSpPr>
-          <p:cNvPr id="63" name="テキスト ボックス 62"/>
-          <p:cNvSpPr txBox="1"/>
-          <p:nvPr/>
-        </p:nvSpPr>
-        <p:spPr>
-          <a:xfrm>
-            <a:off x="1861085" y="4618786"/>
-            <a:ext cx="2374368" cy="276999"/>
-          </a:xfrm>
-          <a:prstGeom prst="rect">
-            <a:avLst/>
-          </a:prstGeom>
-          <a:noFill/>
-        </p:spPr>
-        <p:txBody>
-          <a:bodyPr wrap="none" rtlCol="0">
-            <a:spAutoFit/>
-          </a:bodyPr>
-          <a:lstStyle/>
-          <a:p>
-            <a:r>
-              <a:rPr kumimoji="1" lang="ja-JP" altLang="en-US" sz="1200" dirty="0" smtClean="0"/>
-              <a:t>各グループ</a:t>
-            </a:r>
-            <a:r>
-              <a:rPr kumimoji="1" lang="en-US" altLang="ja-JP" sz="1200" dirty="0" smtClean="0"/>
-              <a:t>3</a:t>
-            </a:r>
-            <a:r>
-              <a:rPr kumimoji="1" lang="ja-JP" altLang="en-US" sz="1200" dirty="0" smtClean="0"/>
-              <a:t>つ質問を考えてもらう</a:t>
-            </a:r>
-            <a:endParaRPr kumimoji="1" lang="ja-JP" altLang="en-US" sz="1200" dirty="0"/>
-          </a:p>
-        </p:txBody>
-      </p:sp>
-      <p:cxnSp>
-        <p:nvCxnSpPr>
-          <p:cNvPr id="67" name="直線矢印コネクタ 66"/>
-          <p:cNvCxnSpPr>
-            <a:stCxn id="63" idx="2"/>
-            <a:endCxn id="68" idx="0"/>
-          </p:cNvCxnSpPr>
-          <p:nvPr/>
-        </p:nvCxnSpPr>
-        <p:spPr>
-          <a:xfrm>
-            <a:off x="3048269" y="4895785"/>
-            <a:ext cx="0" cy="115538"/>
-          </a:xfrm>
-          <a:prstGeom prst="straightConnector1">
-            <a:avLst/>
-          </a:prstGeom>
-          <a:ln>
-            <a:tailEnd type="triangle"/>
-          </a:ln>
-        </p:spPr>
-        <p:style>
-          <a:lnRef idx="1">
-            <a:schemeClr val="accent1"/>
-          </a:lnRef>
-          <a:fillRef idx="0">
-            <a:schemeClr val="accent1"/>
-          </a:fillRef>
-          <a:effectRef idx="0">
-            <a:schemeClr val="accent1"/>
-          </a:effectRef>
-          <a:fontRef idx="minor">
-            <a:schemeClr val="tx1"/>
-          </a:fontRef>
-        </p:style>
-      </p:cxnSp>
-      <p:sp>
-        <p:nvSpPr>
-          <p:cNvPr id="68" name="テキスト ボックス 67"/>
-          <p:cNvSpPr txBox="1"/>
-          <p:nvPr/>
-        </p:nvSpPr>
-        <p:spPr>
-          <a:xfrm>
-            <a:off x="2073482" y="5011323"/>
-            <a:ext cx="1949573" cy="276999"/>
-          </a:xfrm>
-          <a:prstGeom prst="rect">
-            <a:avLst/>
-          </a:prstGeom>
-          <a:noFill/>
-        </p:spPr>
-        <p:txBody>
-          <a:bodyPr wrap="none" rtlCol="0">
-            <a:spAutoFit/>
-          </a:bodyPr>
-          <a:lstStyle/>
-          <a:p>
-            <a:r>
-              <a:rPr lang="ja-JP" altLang="en-US" sz="1200" dirty="0" smtClean="0"/>
-              <a:t>アンケートを設計・</a:t>
-            </a:r>
-            <a:r>
-              <a:rPr kumimoji="1" lang="ja-JP" altLang="en-US" sz="1200" dirty="0" smtClean="0"/>
-              <a:t>実施する</a:t>
-            </a:r>
-            <a:endParaRPr kumimoji="1" lang="ja-JP" altLang="en-US" sz="1200" dirty="0"/>
+              <a:rPr lang="ja-JP" altLang="en-US" sz="1050" dirty="0" smtClean="0"/>
+              <a:t>能動的な学習を促すために，</a:t>
+            </a:r>
+            <a:endParaRPr lang="en-US" altLang="ja-JP" sz="1050" dirty="0" smtClean="0"/>
+          </a:p>
+          <a:p>
+            <a:r>
+              <a:rPr lang="ja-JP" altLang="en-US" sz="1050" dirty="0" smtClean="0"/>
+              <a:t>グループ分けを実施する．</a:t>
+            </a:r>
+            <a:endParaRPr kumimoji="1" lang="ja-JP" altLang="en-US" sz="1050" dirty="0"/>
           </a:p>
         </p:txBody>
       </p:sp>
@@ -5799,7 +5612,7 @@
         </p:nvCxnSpPr>
         <p:spPr>
           <a:xfrm flipH="1">
-            <a:off x="3048268" y="5298916"/>
+            <a:off x="3016238" y="5129561"/>
             <a:ext cx="1" cy="113233"/>
           </a:xfrm>
           <a:prstGeom prst="straightConnector1">
@@ -5832,8 +5645,8 @@
         </p:nvSpPr>
         <p:spPr>
           <a:xfrm>
-            <a:off x="1971691" y="5412778"/>
-            <a:ext cx="2153154" cy="276999"/>
+            <a:off x="1857484" y="5235888"/>
+            <a:ext cx="2475651" cy="415498"/>
           </a:xfrm>
           <a:prstGeom prst="rect">
             <a:avLst/>
@@ -5841,49 +5654,31 @@
           <a:noFill/>
         </p:spPr>
         <p:txBody>
-          <a:bodyPr wrap="none" rtlCol="0">
+          <a:bodyPr wrap="square" rtlCol="0">
             <a:spAutoFit/>
           </a:bodyPr>
           <a:lstStyle/>
           <a:p>
             <a:r>
-              <a:rPr kumimoji="1" lang="ja-JP" altLang="en-US" sz="1200" dirty="0" smtClean="0"/>
-              <a:t>結果をマイニングして発表する</a:t>
-            </a:r>
-            <a:endParaRPr kumimoji="1" lang="ja-JP" altLang="en-US" sz="1200" dirty="0"/>
-          </a:p>
-        </p:txBody>
-      </p:sp>
-      <p:pic>
-        <p:nvPicPr>
-          <p:cNvPr id="111" name="図 110"/>
-          <p:cNvPicPr>
-            <a:picLocks noChangeAspect="1"/>
-          </p:cNvPicPr>
-          <p:nvPr/>
-        </p:nvPicPr>
-        <p:blipFill>
-          <a:blip r:embed="rId4" cstate="print">
-            <a:extLst>
-              <a:ext uri="{28A0092B-C50C-407E-A947-70E740481C1C}">
-                <a14:useLocalDpi xmlns:a14="http://schemas.microsoft.com/office/drawing/2010/main" val="0"/>
-              </a:ext>
-            </a:extLst>
-          </a:blip>
-          <a:stretch>
-            <a:fillRect/>
-          </a:stretch>
-        </p:blipFill>
-        <p:spPr>
-          <a:xfrm>
-            <a:off x="890580" y="6832019"/>
-            <a:ext cx="555809" cy="529562"/>
-          </a:xfrm>
-          <a:prstGeom prst="rect">
-            <a:avLst/>
-          </a:prstGeom>
-        </p:spPr>
-      </p:pic>
+              <a:rPr lang="ja-JP" altLang="en-US" sz="1050" dirty="0" smtClean="0"/>
+              <a:t>解析</a:t>
+            </a:r>
+            <a:r>
+              <a:rPr lang="ja-JP" altLang="en-US" sz="1050" dirty="0"/>
+              <a:t>結果</a:t>
+            </a:r>
+            <a:r>
+              <a:rPr lang="ja-JP" altLang="en-US" sz="1050" dirty="0" smtClean="0"/>
+              <a:t>に相関があったか？</a:t>
+            </a:r>
+            <a:r>
+              <a:rPr kumimoji="1" lang="ja-JP" altLang="en-US" sz="1050" dirty="0" smtClean="0"/>
+              <a:t>解析手法をしっかり使用できているかを確認する．</a:t>
+            </a:r>
+            <a:endParaRPr kumimoji="1" lang="ja-JP" altLang="en-US" sz="1050" dirty="0"/>
+          </a:p>
+        </p:txBody>
+      </p:sp>
       <p:pic>
         <p:nvPicPr>
           <p:cNvPr id="127" name="図 126"/>
@@ -5893,7 +5688,7 @@
           <p:nvPr/>
         </p:nvPicPr>
         <p:blipFill>
-          <a:blip r:embed="rId5">
+          <a:blip r:embed="rId3">
             <a:extLst>
               <a:ext uri="{28A0092B-C50C-407E-A947-70E740481C1C}">
                 <a14:useLocalDpi xmlns:a14="http://schemas.microsoft.com/office/drawing/2010/main" val="0"/>
@@ -5983,85 +5778,118 @@
           </a:p>
         </p:txBody>
       </p:sp>
-      <p:pic>
-        <p:nvPicPr>
-          <p:cNvPr id="19" name="図 18"/>
-          <p:cNvPicPr>
-            <a:picLocks noChangeAspect="1"/>
-          </p:cNvPicPr>
+      <p:cxnSp>
+        <p:nvCxnSpPr>
+          <p:cNvPr id="41" name="直線矢印コネクタ 40"/>
+          <p:cNvCxnSpPr/>
           <p:nvPr/>
-        </p:nvPicPr>
-        <p:blipFill rotWithShape="1">
-          <a:blip r:embed="rId6" cstate="print">
-            <a:extLst>
-              <a:ext uri="{28A0092B-C50C-407E-A947-70E740481C1C}">
-                <a14:useLocalDpi xmlns:a14="http://schemas.microsoft.com/office/drawing/2010/main" val="0"/>
-              </a:ext>
-            </a:extLst>
-          </a:blip>
-          <a:srcRect l="1" r="38594"/>
-          <a:stretch/>
-        </p:blipFill>
+        </p:nvCxnSpPr>
+        <p:spPr>
+          <a:xfrm flipH="1">
+            <a:off x="3022539" y="4635097"/>
+            <a:ext cx="1" cy="113233"/>
+          </a:xfrm>
+          <a:prstGeom prst="straightConnector1">
+            <a:avLst/>
+          </a:prstGeom>
+          <a:ln>
+            <a:tailEnd type="triangle"/>
+          </a:ln>
+        </p:spPr>
+        <p:style>
+          <a:lnRef idx="1">
+            <a:schemeClr val="accent1"/>
+          </a:lnRef>
+          <a:fillRef idx="0">
+            <a:schemeClr val="accent1"/>
+          </a:fillRef>
+          <a:effectRef idx="0">
+            <a:schemeClr val="accent1"/>
+          </a:effectRef>
+          <a:fontRef idx="minor">
+            <a:schemeClr val="tx1"/>
+          </a:fontRef>
+        </p:style>
+      </p:cxnSp>
+      <p:sp>
+        <p:nvSpPr>
+          <p:cNvPr id="13" name="テキスト ボックス 12"/>
+          <p:cNvSpPr txBox="1"/>
+          <p:nvPr/>
+        </p:nvSpPr>
         <p:spPr>
           <a:xfrm>
-            <a:off x="332656" y="4692909"/>
-            <a:ext cx="1016991" cy="947780"/>
+            <a:off x="1844312" y="4756052"/>
+            <a:ext cx="2566332" cy="415498"/>
           </a:xfrm>
           <a:prstGeom prst="rect">
             <a:avLst/>
           </a:prstGeom>
+          <a:noFill/>
         </p:spPr>
-      </p:pic>
-      <p:sp>
-        <p:nvSpPr>
-          <p:cNvPr id="21" name="円形吹き出し 20"/>
-          <p:cNvSpPr/>
+        <p:txBody>
+          <a:bodyPr wrap="square" rtlCol="0">
+            <a:spAutoFit/>
+          </a:bodyPr>
+          <a:lstStyle/>
+          <a:p>
+            <a:r>
+              <a:rPr kumimoji="1" lang="ja-JP" altLang="en-US" sz="1050" dirty="0" smtClean="0"/>
+              <a:t>各グループで設計した質問を</a:t>
+            </a:r>
+            <a:r>
+              <a:rPr kumimoji="1" lang="en-US" altLang="ja-JP" sz="1050" dirty="0" smtClean="0"/>
+              <a:t>Google</a:t>
+            </a:r>
+            <a:r>
+              <a:rPr kumimoji="1" lang="ja-JP" altLang="en-US" sz="1050" dirty="0" smtClean="0"/>
+              <a:t>フォームにまとめ，受講者に回答してもらう．</a:t>
+            </a:r>
+            <a:endParaRPr kumimoji="1" lang="ja-JP" altLang="en-US" sz="1050" dirty="0"/>
+          </a:p>
+        </p:txBody>
+      </p:sp>
+      <p:sp>
+        <p:nvSpPr>
+          <p:cNvPr id="15" name="テキスト ボックス 14"/>
+          <p:cNvSpPr txBox="1"/>
           <p:nvPr/>
         </p:nvSpPr>
         <p:spPr>
           <a:xfrm>
-            <a:off x="890580" y="4957750"/>
-            <a:ext cx="1064976" cy="704352"/>
+            <a:off x="308715" y="6792165"/>
+            <a:ext cx="3153427" cy="600164"/>
           </a:xfrm>
-          <a:prstGeom prst="wedgeEllipseCallout">
-            <a:avLst>
-              <a:gd name="adj1" fmla="val 63772"/>
-              <a:gd name="adj2" fmla="val -22348"/>
-            </a:avLst>
+          <a:prstGeom prst="rect">
+            <a:avLst/>
           </a:prstGeom>
+          <a:noFill/>
         </p:spPr>
-        <p:style>
-          <a:lnRef idx="2">
-            <a:schemeClr val="accent5"/>
-          </a:lnRef>
-          <a:fillRef idx="1">
-            <a:schemeClr val="lt1"/>
-          </a:fillRef>
-          <a:effectRef idx="0">
-            <a:schemeClr val="accent5"/>
-          </a:effectRef>
-          <a:fontRef idx="minor">
-            <a:schemeClr val="dk1"/>
-          </a:fontRef>
-        </p:style>
-        <p:txBody>
-          <a:bodyPr rtlCol="0" anchor="ctr"/>
-          <a:lstStyle/>
-          <a:p>
-            <a:pPr algn="ctr"/>
-            <a:r>
-              <a:rPr kumimoji="1" lang="ja-JP" altLang="en-US" sz="600" dirty="0" smtClean="0"/>
-              <a:t>こちらで</a:t>
-            </a:r>
-            <a:r>
-              <a:rPr lang="ja-JP" altLang="en-US" sz="600" dirty="0" smtClean="0"/>
-              <a:t>収集法を指定</a:t>
-            </a:r>
-            <a:r>
-              <a:rPr kumimoji="1" lang="ja-JP" altLang="en-US" sz="600" dirty="0" smtClean="0"/>
-              <a:t>しないことにより，学習者自身はどのようにデータを収集するか考え，学習する．</a:t>
-            </a:r>
-            <a:endParaRPr kumimoji="1" lang="ja-JP" altLang="en-US" sz="600" dirty="0"/>
+        <p:txBody>
+          <a:bodyPr wrap="none" rtlCol="0">
+            <a:spAutoFit/>
+          </a:bodyPr>
+          <a:lstStyle/>
+          <a:p>
+            <a:r>
+              <a:rPr kumimoji="1" lang="ja-JP" altLang="en-US" sz="1100" dirty="0" smtClean="0"/>
+              <a:t>例：相関がみられる＝解析手法を理解している．</a:t>
+            </a:r>
+            <a:endParaRPr kumimoji="1" lang="en-US" altLang="ja-JP" sz="1100" dirty="0" smtClean="0"/>
+          </a:p>
+          <a:p>
+            <a:r>
+              <a:rPr kumimoji="1" lang="ja-JP" altLang="en-US" sz="1100" dirty="0" smtClean="0"/>
+              <a:t>また，必要なデータ収集法の設計を考えることが</a:t>
+            </a:r>
+            <a:endParaRPr kumimoji="1" lang="en-US" altLang="ja-JP" sz="1100" dirty="0" smtClean="0"/>
+          </a:p>
+          <a:p>
+            <a:r>
+              <a:rPr kumimoji="1" lang="ja-JP" altLang="en-US" sz="1100" dirty="0" smtClean="0"/>
+              <a:t>できている．</a:t>
+            </a:r>
+            <a:endParaRPr kumimoji="1" lang="ja-JP" altLang="en-US" sz="1100" dirty="0"/>
           </a:p>
         </p:txBody>
       </p:sp>
